--- a/IIA - SOKOBAN.pptx
+++ b/IIA - SOKOBAN.pptx
@@ -131,10 +131,25 @@
   <pc:docChgLst>
     <pc:chgData name="Mariana Pinto" userId="55d2a3b7-25ea-4aa1-b86f-8073b335197c" providerId="ADAL" clId="{36F12BFA-982C-40FF-8FEF-427BCF37EADF}"/>
     <pc:docChg chg="undo custSel addSld delSld modSld sldOrd delMainMaster">
-      <pc:chgData name="Mariana Pinto" userId="55d2a3b7-25ea-4aa1-b86f-8073b335197c" providerId="ADAL" clId="{36F12BFA-982C-40FF-8FEF-427BCF37EADF}" dt="2020-12-18T16:47:09.957" v="4894" actId="13822"/>
+      <pc:chgData name="Mariana Pinto" userId="55d2a3b7-25ea-4aa1-b86f-8073b335197c" providerId="ADAL" clId="{36F12BFA-982C-40FF-8FEF-427BCF37EADF}" dt="2020-12-18T16:51:23.329" v="4903" actId="115"/>
       <pc:docMkLst>
         <pc:docMk/>
       </pc:docMkLst>
+      <pc:sldChg chg="modSp mod">
+        <pc:chgData name="Mariana Pinto" userId="55d2a3b7-25ea-4aa1-b86f-8073b335197c" providerId="ADAL" clId="{36F12BFA-982C-40FF-8FEF-427BCF37EADF}" dt="2020-12-18T16:51:23.329" v="4903" actId="115"/>
+        <pc:sldMkLst>
+          <pc:docMk/>
+          <pc:sldMk cId="0" sldId="256"/>
+        </pc:sldMkLst>
+        <pc:spChg chg="mod">
+          <ac:chgData name="Mariana Pinto" userId="55d2a3b7-25ea-4aa1-b86f-8073b335197c" providerId="ADAL" clId="{36F12BFA-982C-40FF-8FEF-427BCF37EADF}" dt="2020-12-18T16:51:23.329" v="4903" actId="115"/>
+          <ac:spMkLst>
+            <pc:docMk/>
+            <pc:sldMk cId="0" sldId="256"/>
+            <ac:spMk id="83" creationId="{00000000-0000-0000-0000-000000000000}"/>
+          </ac:spMkLst>
+        </pc:spChg>
+      </pc:sldChg>
       <pc:sldChg chg="addSp delSp modSp mod">
         <pc:chgData name="Mariana Pinto" userId="55d2a3b7-25ea-4aa1-b86f-8073b335197c" providerId="ADAL" clId="{36F12BFA-982C-40FF-8FEF-427BCF37EADF}" dt="2020-12-18T14:14:47.808" v="124" actId="20577"/>
         <pc:sldMkLst>
@@ -5897,15 +5912,15 @@
               </a:tabLst>
             </a:pPr>
             <a:r>
-              <a:rPr lang="pt-PT" sz="2000" b="0" strike="noStrike" spc="-1">
+              <a:rPr lang="pt-PT" sz="2000" b="0" strike="noStrike" spc="-1" dirty="0">
                 <a:solidFill>
                   <a:srgbClr val="FFFFFF"/>
                 </a:solidFill>
                 <a:latin typeface="Gill Sans MT"/>
               </a:rPr>
-              <a:t>Francisco Martinho ()</a:t>
+              <a:t>Francisco Martinho (85088)</a:t>
             </a:r>
-            <a:endParaRPr lang="pt-PT" sz="2000" b="0" strike="noStrike" spc="-1">
+            <a:endParaRPr lang="pt-PT" sz="2000" b="0" strike="noStrike" spc="-1" dirty="0">
               <a:latin typeface="Arial"/>
             </a:endParaRPr>
           </a:p>
@@ -5922,7 +5937,7 @@
               </a:tabLst>
             </a:pPr>
             <a:r>
-              <a:rPr lang="pt-PT" sz="2000" b="0" strike="noStrike" spc="-1">
+              <a:rPr lang="pt-PT" sz="2000" b="0" strike="noStrike" spc="-1" dirty="0">
                 <a:solidFill>
                   <a:srgbClr val="FFFFFF"/>
                 </a:solidFill>
@@ -5930,7 +5945,7 @@
               </a:rPr>
               <a:t>Mariana Pinto (84792)</a:t>
             </a:r>
-            <a:endParaRPr lang="pt-PT" sz="2000" b="0" strike="noStrike" spc="-1">
+            <a:endParaRPr lang="pt-PT" sz="2000" b="0" strike="noStrike" spc="-1" dirty="0">
               <a:latin typeface="Arial"/>
             </a:endParaRPr>
           </a:p>
@@ -5947,7 +5962,7 @@
               </a:tabLst>
             </a:pPr>
             <a:r>
-              <a:rPr lang="pt-PT" sz="2000" b="0" strike="noStrike" spc="-1">
+              <a:rPr lang="pt-PT" sz="2000" b="0" strike="noStrike" spc="-1" dirty="0">
                 <a:solidFill>
                   <a:srgbClr val="FFFFFF"/>
                 </a:solidFill>
@@ -5955,7 +5970,7 @@
               </a:rPr>
               <a:t>MIECT – UA - Dezembro de 2020</a:t>
             </a:r>
-            <a:endParaRPr lang="pt-PT" sz="2000" b="0" strike="noStrike" spc="-1">
+            <a:endParaRPr lang="pt-PT" sz="2000" b="0" strike="noStrike" spc="-1" dirty="0">
               <a:latin typeface="Arial"/>
             </a:endParaRPr>
           </a:p>
